--- a/Slides/Lecture09 - GUI Applications with CSharp.pptx
+++ b/Slides/Lecture09 - GUI Applications with CSharp.pptx
@@ -6,10 +6,10 @@
     <p:sldMasterId id="2147484675" r:id="rId5"/>
   </p:sldMasterIdLst>
   <p:notesMasterIdLst>
-    <p:notesMasterId r:id="rId29"/>
+    <p:notesMasterId r:id="rId28"/>
   </p:notesMasterIdLst>
   <p:handoutMasterIdLst>
-    <p:handoutMasterId r:id="rId30"/>
+    <p:handoutMasterId r:id="rId29"/>
   </p:handoutMasterIdLst>
   <p:sldIdLst>
     <p:sldId id="1663" r:id="rId6"/>
@@ -34,7 +34,6 @@
     <p:sldId id="1742" r:id="rId25"/>
     <p:sldId id="1739" r:id="rId26"/>
     <p:sldId id="1744" r:id="rId27"/>
-    <p:sldId id="1743" r:id="rId28"/>
   </p:sldIdLst>
   <p:sldSz cx="12192000" cy="6858000"/>
   <p:notesSz cx="6858000" cy="9144000"/>
@@ -160,7 +159,6 @@
             <p14:sldId id="1742"/>
             <p14:sldId id="1739"/>
             <p14:sldId id="1744"/>
-            <p14:sldId id="1743"/>
           </p14:sldIdLst>
         </p14:section>
       </p14:sectionLst>
@@ -300,7 +298,7 @@
               <a:rPr lang="en-US" smtClean="0">
                 <a:latin typeface="Segoe UI" pitchFamily="34" charset="0"/>
               </a:rPr>
-              <a:t>10/30/2020 9:01 AM</a:t>
+              <a:t>10/30/2020 9:53 AM</a:t>
             </a:fld>
             <a:endParaRPr lang="en-US" dirty="0">
               <a:latin typeface="Segoe UI" pitchFamily="34" charset="0"/>
@@ -578,7 +576,7 @@
           <a:p>
             <a:fld id="{386CE63F-9E7F-4C04-9D0D-FCA25A8E9E86}" type="datetime8">
               <a:rPr lang="en-US" smtClean="0"/>
-              <a:t>10/30/2020 9:00 AM</a:t>
+              <a:t>10/30/2020 9:53 AM</a:t>
             </a:fld>
             <a:endParaRPr lang="en-US" dirty="0"/>
           </a:p>
@@ -945,7 +943,7 @@
           <a:p>
             <a:fld id="{321E5A7B-BB8D-4368-A182-109669521632}" type="datetime8">
               <a:rPr lang="en-US" smtClean="0"/>
-              <a:t>10/30/2020 9:00 AM</a:t>
+              <a:t>10/30/2020 9:53 AM</a:t>
             </a:fld>
             <a:endParaRPr lang="en-US" dirty="0"/>
           </a:p>
@@ -24130,472 +24128,6 @@
 </p:sld>
 </file>
 
-<file path=ppt/slides/slide23.xml><?xml version="1.0" encoding="utf-8"?>
-<p:sld xmlns:a="http://schemas.openxmlformats.org/drawingml/2006/main" xmlns:r="http://schemas.openxmlformats.org/officeDocument/2006/relationships" xmlns:p="http://schemas.openxmlformats.org/presentationml/2006/main">
-  <p:cSld>
-    <p:bg>
-      <p:bgPr>
-        <a:solidFill>
-          <a:schemeClr val="bg1"/>
-        </a:solidFill>
-        <a:effectLst/>
-      </p:bgPr>
-    </p:bg>
-    <p:spTree>
-      <p:nvGrpSpPr>
-        <p:cNvPr id="1" name=""/>
-        <p:cNvGrpSpPr/>
-        <p:nvPr/>
-      </p:nvGrpSpPr>
-      <p:grpSpPr>
-        <a:xfrm>
-          <a:off x="0" y="0"/>
-          <a:ext cx="0" cy="0"/>
-          <a:chOff x="0" y="0"/>
-          <a:chExt cx="0" cy="0"/>
-        </a:xfrm>
-      </p:grpSpPr>
-      <p:sp>
-        <p:nvSpPr>
-          <p:cNvPr id="6" name="Title 5">
-            <a:extLst>
-              <a:ext uri="{FF2B5EF4-FFF2-40B4-BE49-F238E27FC236}">
-                <a16:creationId xmlns:a16="http://schemas.microsoft.com/office/drawing/2014/main" id="{7E2A98B5-B00C-4A76-A404-56949AFD22A9}"/>
-              </a:ext>
-            </a:extLst>
-          </p:cNvPr>
-          <p:cNvSpPr>
-            <a:spLocks noGrp="1"/>
-          </p:cNvSpPr>
-          <p:nvPr>
-            <p:ph type="title"/>
-          </p:nvPr>
-        </p:nvSpPr>
-        <p:spPr/>
-        <p:txBody>
-          <a:bodyPr/>
-          <a:lstStyle/>
-          <a:p>
-            <a:r>
-              <a:rPr lang="da-DK" dirty="0"/>
-              <a:t>MVVM Tips</a:t>
-            </a:r>
-            <a:endParaRPr lang="LID4096" dirty="0"/>
-          </a:p>
-        </p:txBody>
-      </p:sp>
-      <p:sp>
-        <p:nvSpPr>
-          <p:cNvPr id="7" name="Text Placeholder 6">
-            <a:extLst>
-              <a:ext uri="{FF2B5EF4-FFF2-40B4-BE49-F238E27FC236}">
-                <a16:creationId xmlns:a16="http://schemas.microsoft.com/office/drawing/2014/main" id="{3F39F38D-6F86-48FD-8B5E-546959DBE233}"/>
-              </a:ext>
-            </a:extLst>
-          </p:cNvPr>
-          <p:cNvSpPr>
-            <a:spLocks noGrp="1"/>
-          </p:cNvSpPr>
-          <p:nvPr>
-            <p:ph type="body" sz="quarter" idx="10"/>
-          </p:nvPr>
-        </p:nvSpPr>
-        <p:spPr>
-          <a:xfrm>
-            <a:off x="586390" y="1434370"/>
-            <a:ext cx="11018520" cy="1982081"/>
-          </a:xfrm>
-        </p:spPr>
-        <p:txBody>
-          <a:bodyPr/>
-          <a:lstStyle/>
-          <a:p>
-            <a:r>
-              <a:rPr lang="en-US" dirty="0"/>
-              <a:t>Don’t use frameworks:</a:t>
-            </a:r>
-          </a:p>
-          <a:p>
-            <a:endParaRPr lang="en-US" dirty="0"/>
-          </a:p>
-          <a:p>
-            <a:r>
-              <a:rPr lang="en-US" dirty="0"/>
-              <a:t>MVVM Light</a:t>
-            </a:r>
-          </a:p>
-          <a:p>
-            <a:r>
-              <a:rPr lang="en-US" dirty="0"/>
-              <a:t>Template 10</a:t>
-            </a:r>
-          </a:p>
-        </p:txBody>
-      </p:sp>
-      <p:grpSp>
-        <p:nvGrpSpPr>
-          <p:cNvPr id="5" name="Group 4">
-            <a:extLst>
-              <a:ext uri="{FF2B5EF4-FFF2-40B4-BE49-F238E27FC236}">
-                <a16:creationId xmlns:a16="http://schemas.microsoft.com/office/drawing/2014/main" id="{1ABD2A96-C273-4AB9-A25A-E379BC170800}"/>
-              </a:ext>
-            </a:extLst>
-          </p:cNvPr>
-          <p:cNvGrpSpPr/>
-          <p:nvPr/>
-        </p:nvGrpSpPr>
-        <p:grpSpPr>
-          <a:xfrm>
-            <a:off x="1561882" y="395964"/>
-            <a:ext cx="9068236" cy="6066072"/>
-            <a:chOff x="835874" y="936971"/>
-            <a:chExt cx="7654816" cy="5120584"/>
-          </a:xfrm>
-        </p:grpSpPr>
-        <p:pic>
-          <p:nvPicPr>
-            <p:cNvPr id="8" name="Picture 4" descr="dirty hands">
-              <a:extLst>
-                <a:ext uri="{FF2B5EF4-FFF2-40B4-BE49-F238E27FC236}">
-                  <a16:creationId xmlns:a16="http://schemas.microsoft.com/office/drawing/2014/main" id="{51978FDD-4894-47C3-82B8-463DBAE4576D}"/>
-                </a:ext>
-              </a:extLst>
-            </p:cNvPr>
-            <p:cNvPicPr>
-              <a:picLocks noChangeAspect="1" noChangeArrowheads="1"/>
-            </p:cNvPicPr>
-            <p:nvPr/>
-          </p:nvPicPr>
-          <p:blipFill>
-            <a:blip r:embed="rId2">
-              <a:extLst>
-                <a:ext uri="{28A0092B-C50C-407E-A947-70E740481C1C}">
-                  <a14:useLocalDpi xmlns:a14="http://schemas.microsoft.com/office/drawing/2010/main" val="0"/>
-                </a:ext>
-              </a:extLst>
-            </a:blip>
-            <a:srcRect/>
-            <a:stretch>
-              <a:fillRect/>
-            </a:stretch>
-          </p:blipFill>
-          <p:spPr bwMode="auto">
-            <a:xfrm>
-              <a:off x="835874" y="936971"/>
-              <a:ext cx="7654816" cy="5120584"/>
-            </a:xfrm>
-            <a:prstGeom prst="rect">
-              <a:avLst/>
-            </a:prstGeom>
-            <a:noFill/>
-            <a:extLst>
-              <a:ext uri="{909E8E84-426E-40DD-AFC4-6F175D3DCCD1}">
-                <a14:hiddenFill xmlns:a14="http://schemas.microsoft.com/office/drawing/2010/main">
-                  <a:solidFill>
-                    <a:srgbClr val="FFFFFF"/>
-                  </a:solidFill>
-                </a14:hiddenFill>
-              </a:ext>
-            </a:extLst>
-          </p:spPr>
-        </p:pic>
-        <p:sp>
-          <p:nvSpPr>
-            <p:cNvPr id="9" name="Title 1">
-              <a:extLst>
-                <a:ext uri="{FF2B5EF4-FFF2-40B4-BE49-F238E27FC236}">
-                  <a16:creationId xmlns:a16="http://schemas.microsoft.com/office/drawing/2014/main" id="{FAC4FBC3-F004-40E0-A032-E113E5D9B3C7}"/>
-                </a:ext>
-              </a:extLst>
-            </p:cNvPr>
-            <p:cNvSpPr txBox="1">
-              <a:spLocks/>
-            </p:cNvSpPr>
-            <p:nvPr/>
-          </p:nvSpPr>
-          <p:spPr>
-            <a:xfrm>
-              <a:off x="939173" y="3954457"/>
-              <a:ext cx="7381667" cy="1920218"/>
-            </a:xfrm>
-            <a:prstGeom prst="rect">
-              <a:avLst/>
-            </a:prstGeom>
-          </p:spPr>
-          <p:txBody>
-            <a:bodyPr vert="horz" wrap="square" lIns="146304" tIns="91440" rIns="146304" bIns="91440" rtlCol="0" anchor="t">
-              <a:noAutofit/>
-            </a:bodyPr>
-            <a:lstStyle>
-              <a:lvl1pPr algn="l" defTabSz="932742" rtl="0" eaLnBrk="1" latinLnBrk="0" hangingPunct="1">
-                <a:lnSpc>
-                  <a:spcPct val="90000"/>
-                </a:lnSpc>
-                <a:spcBef>
-                  <a:spcPct val="0"/>
-                </a:spcBef>
-                <a:buNone/>
-                <a:defRPr lang="en-US" sz="4800" b="0" kern="1200" cap="none" spc="-102" baseline="0" dirty="0" smtClean="0">
-                  <a:ln w="3175">
-                    <a:noFill/>
-                  </a:ln>
-                  <a:gradFill>
-                    <a:gsLst>
-                      <a:gs pos="1250">
-                        <a:schemeClr val="tx1"/>
-                      </a:gs>
-                      <a:gs pos="100000">
-                        <a:schemeClr val="tx1"/>
-                      </a:gs>
-                    </a:gsLst>
-                    <a:lin ang="5400000" scaled="0"/>
-                  </a:gradFill>
-                  <a:effectLst/>
-                  <a:latin typeface="+mj-lt"/>
-                  <a:ea typeface="+mn-ea"/>
-                  <a:cs typeface="Segoe UI" pitchFamily="34" charset="0"/>
-                </a:defRPr>
-              </a:lvl1pPr>
-            </a:lstStyle>
-            <a:p>
-              <a:r>
-                <a:rPr lang="da-DK" sz="6600" dirty="0" err="1">
-                  <a:solidFill>
-                    <a:srgbClr val="C00000"/>
-                  </a:solidFill>
-                  <a:latin typeface="Arial Black" panose="020B0A04020102020204" pitchFamily="34" charset="0"/>
-                </a:rPr>
-                <a:t>Get</a:t>
-              </a:r>
-              <a:r>
-                <a:rPr lang="da-DK" sz="6600" dirty="0">
-                  <a:solidFill>
-                    <a:srgbClr val="C00000"/>
-                  </a:solidFill>
-                  <a:latin typeface="Arial Black" panose="020B0A04020102020204" pitchFamily="34" charset="0"/>
-                </a:rPr>
-                <a:t> </a:t>
-              </a:r>
-              <a:r>
-                <a:rPr lang="da-DK" sz="6600" dirty="0" err="1">
-                  <a:solidFill>
-                    <a:srgbClr val="C00000"/>
-                  </a:solidFill>
-                  <a:latin typeface="Arial Black" panose="020B0A04020102020204" pitchFamily="34" charset="0"/>
-                </a:rPr>
-                <a:t>your</a:t>
-              </a:r>
-              <a:r>
-                <a:rPr lang="da-DK" sz="6600" dirty="0">
-                  <a:solidFill>
-                    <a:srgbClr val="C00000"/>
-                  </a:solidFill>
-                  <a:latin typeface="Arial Black" panose="020B0A04020102020204" pitchFamily="34" charset="0"/>
-                </a:rPr>
-                <a:t> </a:t>
-              </a:r>
-              <a:r>
-                <a:rPr lang="da-DK" sz="6600" dirty="0" err="1">
-                  <a:solidFill>
-                    <a:srgbClr val="C00000"/>
-                  </a:solidFill>
-                  <a:latin typeface="Arial Black" panose="020B0A04020102020204" pitchFamily="34" charset="0"/>
-                </a:rPr>
-                <a:t>hands</a:t>
-              </a:r>
-              <a:r>
-                <a:rPr lang="da-DK" sz="6600" dirty="0">
-                  <a:solidFill>
-                    <a:srgbClr val="C00000"/>
-                  </a:solidFill>
-                  <a:latin typeface="Arial Black" panose="020B0A04020102020204" pitchFamily="34" charset="0"/>
-                </a:rPr>
-                <a:t> </a:t>
-              </a:r>
-              <a:r>
-                <a:rPr lang="da-DK" sz="6600" dirty="0" err="1">
-                  <a:solidFill>
-                    <a:srgbClr val="C00000"/>
-                  </a:solidFill>
-                  <a:latin typeface="Arial Black" panose="020B0A04020102020204" pitchFamily="34" charset="0"/>
-                </a:rPr>
-                <a:t>dirty</a:t>
-              </a:r>
-              <a:r>
-                <a:rPr lang="da-DK" sz="6600" dirty="0">
-                  <a:solidFill>
-                    <a:srgbClr val="C00000"/>
-                  </a:solidFill>
-                  <a:latin typeface="Arial Black" panose="020B0A04020102020204" pitchFamily="34" charset="0"/>
-                </a:rPr>
-                <a:t> </a:t>
-              </a:r>
-              <a:r>
-                <a:rPr lang="da-DK" sz="6600" dirty="0" err="1">
-                  <a:solidFill>
-                    <a:srgbClr val="C00000"/>
-                  </a:solidFill>
-                  <a:latin typeface="Arial Black" panose="020B0A04020102020204" pitchFamily="34" charset="0"/>
-                </a:rPr>
-                <a:t>first</a:t>
-              </a:r>
-              <a:r>
-                <a:rPr lang="da-DK" sz="6600" dirty="0">
-                  <a:solidFill>
-                    <a:srgbClr val="C00000"/>
-                  </a:solidFill>
-                  <a:latin typeface="Arial Black" panose="020B0A04020102020204" pitchFamily="34" charset="0"/>
-                </a:rPr>
-                <a:t>!</a:t>
-              </a:r>
-            </a:p>
-          </p:txBody>
-        </p:sp>
-      </p:grpSp>
-      <p:sp>
-        <p:nvSpPr>
-          <p:cNvPr id="10" name="Rectangle 9">
-            <a:extLst>
-              <a:ext uri="{FF2B5EF4-FFF2-40B4-BE49-F238E27FC236}">
-                <a16:creationId xmlns:a16="http://schemas.microsoft.com/office/drawing/2014/main" id="{628E9E52-02BF-4F17-9C94-4421EDE6CE89}"/>
-              </a:ext>
-            </a:extLst>
-          </p:cNvPr>
-          <p:cNvSpPr/>
-          <p:nvPr/>
-        </p:nvSpPr>
-        <p:spPr>
-          <a:xfrm>
-            <a:off x="7118047" y="6430217"/>
-            <a:ext cx="5073953" cy="369332"/>
-          </a:xfrm>
-          <a:prstGeom prst="rect">
-            <a:avLst/>
-          </a:prstGeom>
-        </p:spPr>
-        <p:txBody>
-          <a:bodyPr wrap="none">
-            <a:spAutoFit/>
-          </a:bodyPr>
-          <a:lstStyle/>
-          <a:p>
-            <a:pPr algn="r"/>
-            <a:r>
-              <a:rPr lang="da-DK" dirty="0"/>
-              <a:t>Image source: </a:t>
-            </a:r>
-            <a:r>
-              <a:rPr lang="da-DK" dirty="0">
-                <a:hlinkClick r:id="rId3"/>
-              </a:rPr>
-              <a:t>https://dirtyhands.wordpress.com</a:t>
-            </a:r>
-            <a:r>
-              <a:rPr lang="da-DK" dirty="0"/>
-              <a:t> </a:t>
-            </a:r>
-          </a:p>
-        </p:txBody>
-      </p:sp>
-    </p:spTree>
-    <p:extLst>
-      <p:ext uri="{BB962C8B-B14F-4D97-AF65-F5344CB8AC3E}">
-        <p14:creationId xmlns:p14="http://schemas.microsoft.com/office/powerpoint/2010/main" val="3753854110"/>
-      </p:ext>
-    </p:extLst>
-  </p:cSld>
-  <p:clrMapOvr>
-    <a:masterClrMapping/>
-  </p:clrMapOvr>
-  <p:transition>
-    <p:fade/>
-  </p:transition>
-  <p:timing>
-    <p:tnLst>
-      <p:par>
-        <p:cTn id="1" dur="indefinite" restart="never" nodeType="tmRoot">
-          <p:childTnLst>
-            <p:seq concurrent="1" nextAc="seek">
-              <p:cTn id="2" dur="indefinite" nodeType="mainSeq">
-                <p:childTnLst>
-                  <p:par>
-                    <p:cTn id="3" fill="hold">
-                      <p:stCondLst>
-                        <p:cond delay="indefinite"/>
-                      </p:stCondLst>
-                      <p:childTnLst>
-                        <p:par>
-                          <p:cTn id="4" fill="hold">
-                            <p:stCondLst>
-                              <p:cond delay="0"/>
-                            </p:stCondLst>
-                            <p:childTnLst>
-                              <p:par>
-                                <p:cTn id="5" presetID="16" presetClass="entr" presetSubtype="21" fill="hold" nodeType="clickEffect">
-                                  <p:stCondLst>
-                                    <p:cond delay="0"/>
-                                  </p:stCondLst>
-                                  <p:childTnLst>
-                                    <p:set>
-                                      <p:cBhvr>
-                                        <p:cTn id="6" dur="1" fill="hold">
-                                          <p:stCondLst>
-                                            <p:cond delay="0"/>
-                                          </p:stCondLst>
-                                        </p:cTn>
-                                        <p:tgtEl>
-                                          <p:spTgt spid="5"/>
-                                        </p:tgtEl>
-                                        <p:attrNameLst>
-                                          <p:attrName>style.visibility</p:attrName>
-                                        </p:attrNameLst>
-                                      </p:cBhvr>
-                                      <p:to>
-                                        <p:strVal val="visible"/>
-                                      </p:to>
-                                    </p:set>
-                                    <p:animEffect transition="in" filter="barn(inVertical)">
-                                      <p:cBhvr>
-                                        <p:cTn id="7" dur="500"/>
-                                        <p:tgtEl>
-                                          <p:spTgt spid="5"/>
-                                        </p:tgtEl>
-                                      </p:cBhvr>
-                                    </p:animEffect>
-                                  </p:childTnLst>
-                                </p:cTn>
-                              </p:par>
-                            </p:childTnLst>
-                          </p:cTn>
-                        </p:par>
-                      </p:childTnLst>
-                    </p:cTn>
-                  </p:par>
-                </p:childTnLst>
-              </p:cTn>
-              <p:prevCondLst>
-                <p:cond evt="onPrev" delay="0">
-                  <p:tgtEl>
-                    <p:sldTgt/>
-                  </p:tgtEl>
-                </p:cond>
-              </p:prevCondLst>
-              <p:nextCondLst>
-                <p:cond evt="onNext" delay="0">
-                  <p:tgtEl>
-                    <p:sldTgt/>
-                  </p:tgtEl>
-                </p:cond>
-              </p:nextCondLst>
-            </p:seq>
-          </p:childTnLst>
-        </p:cTn>
-      </p:par>
-    </p:tnLst>
-  </p:timing>
-</p:sld>
-</file>
-
 <file path=ppt/slides/slide3.xml><?xml version="1.0" encoding="utf-8"?>
 <p:sld xmlns:a="http://schemas.openxmlformats.org/drawingml/2006/main" xmlns:r="http://schemas.openxmlformats.org/officeDocument/2006/relationships" xmlns:p="http://schemas.openxmlformats.org/presentationml/2006/main">
   <p:cSld>
@@ -24736,7 +24268,7 @@
         <p:spPr>
           <a:xfrm>
             <a:off x="586390" y="1434370"/>
-            <a:ext cx="11018520" cy="5392245"/>
+            <a:ext cx="11018520" cy="5466112"/>
           </a:xfrm>
         </p:spPr>
         <p:txBody>
@@ -24790,25 +24322,31 @@
           </a:p>
           <a:p>
             <a:r>
-              <a:rPr lang="da-DK" sz="2400" dirty="0"/>
+              <a:rPr lang="da-DK" sz="1800" dirty="0"/>
               <a:t>ASP.NET WebForms (2002)</a:t>
             </a:r>
           </a:p>
           <a:p>
             <a:r>
-              <a:rPr lang="da-DK" sz="2400" dirty="0"/>
+              <a:rPr lang="da-DK" sz="1800" dirty="0"/>
               <a:t>ASP.NET MVC (2009)</a:t>
             </a:r>
           </a:p>
           <a:p>
             <a:r>
-              <a:rPr lang="da-DK" sz="2400" dirty="0"/>
+              <a:rPr lang="da-DK" sz="1800" dirty="0"/>
               <a:t>ASP.NET Web Pages (2010)</a:t>
             </a:r>
           </a:p>
           <a:p>
             <a:r>
-              <a:rPr lang="da-DK" sz="2400" dirty="0"/>
+              <a:rPr lang="da-DK" sz="1800" dirty="0"/>
+              <a:t>ASP.NET Core (2016)</a:t>
+            </a:r>
+          </a:p>
+          <a:p>
+            <a:r>
+              <a:rPr lang="da-DK" sz="1800" dirty="0"/>
               <a:t>Blazor (2018)</a:t>
             </a:r>
           </a:p>
@@ -25354,6 +24892,55 @@
                                           <p:spTgt spid="4">
                                             <p:txEl>
                                               <p:pRg st="11" end="11"/>
+                                            </p:txEl>
+                                          </p:spTgt>
+                                        </p:tgtEl>
+                                        <p:attrNameLst>
+                                          <p:attrName>style.visibility</p:attrName>
+                                        </p:attrNameLst>
+                                      </p:cBhvr>
+                                      <p:to>
+                                        <p:strVal val="visible"/>
+                                      </p:to>
+                                    </p:set>
+                                  </p:childTnLst>
+                                </p:cTn>
+                              </p:par>
+                            </p:childTnLst>
+                          </p:cTn>
+                        </p:par>
+                      </p:childTnLst>
+                    </p:cTn>
+                  </p:par>
+                  <p:par>
+                    <p:cTn id="47" fill="hold">
+                      <p:stCondLst>
+                        <p:cond delay="indefinite"/>
+                      </p:stCondLst>
+                      <p:childTnLst>
+                        <p:par>
+                          <p:cTn id="48" fill="hold">
+                            <p:stCondLst>
+                              <p:cond delay="0"/>
+                            </p:stCondLst>
+                            <p:childTnLst>
+                              <p:par>
+                                <p:cTn id="49" presetID="1" presetClass="entr" presetSubtype="0" fill="hold" grpId="0" nodeType="clickEffect">
+                                  <p:stCondLst>
+                                    <p:cond delay="0"/>
+                                  </p:stCondLst>
+                                  <p:childTnLst>
+                                    <p:set>
+                                      <p:cBhvr>
+                                        <p:cTn id="50" dur="1" fill="hold">
+                                          <p:stCondLst>
+                                            <p:cond delay="0"/>
+                                          </p:stCondLst>
+                                        </p:cTn>
+                                        <p:tgtEl>
+                                          <p:spTgt spid="4">
+                                            <p:txEl>
+                                              <p:pRg st="12" end="12"/>
                                             </p:txEl>
                                           </p:spTgt>
                                         </p:tgtEl>
@@ -27426,23 +27013,6 @@
 </file>
 
 <file path=customXml/item1.xml><?xml version="1.0" encoding="utf-8"?>
-<?mso-contentType ?>
-<FormTemplates xmlns="http://schemas.microsoft.com/sharepoint/v3/contenttype/forms">
-  <Display>DocumentLibraryForm</Display>
-  <Edit>DocumentLibraryForm</Edit>
-  <New>DocumentLibraryForm</New>
-</FormTemplates>
-</file>
-
-<file path=customXml/item2.xml><?xml version="1.0" encoding="utf-8"?>
-<p:properties xmlns:p="http://schemas.microsoft.com/office/2006/metadata/properties" xmlns:xsi="http://www.w3.org/2001/XMLSchema-instance" xmlns:pc="http://schemas.microsoft.com/office/infopath/2007/PartnerControls">
-  <documentManagement>
-    <MediaServiceKeyPoints xmlns="965de625-df5b-42e9-a277-2113da4f1195" xsi:nil="true"/>
-  </documentManagement>
-</p:properties>
-</file>
-
-<file path=customXml/item3.xml><?xml version="1.0" encoding="utf-8"?>
 <ct:contentTypeSchema xmlns:ct="http://schemas.microsoft.com/office/2006/metadata/contentType" xmlns:ma="http://schemas.microsoft.com/office/2006/metadata/properties/metaAttributes" ct:_="" ma:_="" ma:contentTypeName="Document" ma:contentTypeID="0x010100BD9FAF4CD5AD2F4B99B5B2414089ABF7" ma:contentTypeVersion="14" ma:contentTypeDescription="Create a new document." ma:contentTypeScope="" ma:versionID="15419eb272c8997d22174cab72b81ac5">
   <xsd:schema xmlns:xsd="http://www.w3.org/2001/XMLSchema" xmlns:xs="http://www.w3.org/2001/XMLSchema" xmlns:p="http://schemas.microsoft.com/office/2006/metadata/properties" xmlns:ns2="dcf5ddc1-fb1d-440f-849a-6450bddbaed7" xmlns:ns3="965de625-df5b-42e9-a277-2113da4f1195" targetNamespace="http://schemas.microsoft.com/office/2006/metadata/properties" ma:root="true" ma:fieldsID="366f960d0717a06e650b8dd07cd5f805" ns2:_="" ns3:_="">
     <xsd:import namespace="dcf5ddc1-fb1d-440f-849a-6450bddbaed7"/>
@@ -27673,10 +27243,38 @@
 </ct:contentTypeSchema>
 </file>
 
+<file path=customXml/item2.xml><?xml version="1.0" encoding="utf-8"?>
+<p:properties xmlns:p="http://schemas.microsoft.com/office/2006/metadata/properties" xmlns:xsi="http://www.w3.org/2001/XMLSchema-instance" xmlns:pc="http://schemas.microsoft.com/office/infopath/2007/PartnerControls">
+  <documentManagement>
+    <MediaServiceKeyPoints xmlns="965de625-df5b-42e9-a277-2113da4f1195" xsi:nil="true"/>
+  </documentManagement>
+</p:properties>
+</file>
+
+<file path=customXml/item3.xml><?xml version="1.0" encoding="utf-8"?>
+<?mso-contentType ?>
+<FormTemplates xmlns="http://schemas.microsoft.com/sharepoint/v3/contenttype/forms">
+  <Display>DocumentLibraryForm</Display>
+  <Edit>DocumentLibraryForm</Edit>
+  <New>DocumentLibraryForm</New>
+</FormTemplates>
+</file>
+
 <file path=customXml/itemProps1.xml><?xml version="1.0" encoding="utf-8"?>
-<ds:datastoreItem xmlns:ds="http://schemas.openxmlformats.org/officeDocument/2006/customXml" ds:itemID="{758FDAC0-319D-4A54-8D8E-1D42CB1F8004}">
+<ds:datastoreItem xmlns:ds="http://schemas.openxmlformats.org/officeDocument/2006/customXml" ds:itemID="{B28DDFE8-80D6-4A60-B5D6-41E509D3A2B4}">
   <ds:schemaRefs>
-    <ds:schemaRef ds:uri="http://schemas.microsoft.com/sharepoint/v3/contenttype/forms"/>
+    <ds:schemaRef ds:uri="http://schemas.microsoft.com/office/2006/metadata/contentType"/>
+    <ds:schemaRef ds:uri="http://schemas.microsoft.com/office/2006/metadata/properties/metaAttributes"/>
+    <ds:schemaRef ds:uri="http://www.w3.org/2001/XMLSchema"/>
+    <ds:schemaRef ds:uri="http://schemas.microsoft.com/office/2006/metadata/properties"/>
+    <ds:schemaRef ds:uri="dcf5ddc1-fb1d-440f-849a-6450bddbaed7"/>
+    <ds:schemaRef ds:uri="965de625-df5b-42e9-a277-2113da4f1195"/>
+    <ds:schemaRef ds:uri="http://schemas.microsoft.com/office/2006/documentManagement/types"/>
+    <ds:schemaRef ds:uri="http://schemas.microsoft.com/office/infopath/2007/PartnerControls"/>
+    <ds:schemaRef ds:uri="http://schemas.openxmlformats.org/package/2006/metadata/core-properties"/>
+    <ds:schemaRef ds:uri="http://purl.org/dc/elements/1.1/"/>
+    <ds:schemaRef ds:uri="http://purl.org/dc/terms/"/>
+    <ds:schemaRef ds:uri="http://schemas.microsoft.com/internal/obd"/>
   </ds:schemaRefs>
 </ds:datastoreItem>
 </file>
@@ -27701,20 +27299,9 @@
 </file>
 
 <file path=customXml/itemProps3.xml><?xml version="1.0" encoding="utf-8"?>
-<ds:datastoreItem xmlns:ds="http://schemas.openxmlformats.org/officeDocument/2006/customXml" ds:itemID="{B28DDFE8-80D6-4A60-B5D6-41E509D3A2B4}">
+<ds:datastoreItem xmlns:ds="http://schemas.openxmlformats.org/officeDocument/2006/customXml" ds:itemID="{758FDAC0-319D-4A54-8D8E-1D42CB1F8004}">
   <ds:schemaRefs>
-    <ds:schemaRef ds:uri="http://schemas.microsoft.com/office/2006/metadata/contentType"/>
-    <ds:schemaRef ds:uri="http://schemas.microsoft.com/office/2006/metadata/properties/metaAttributes"/>
-    <ds:schemaRef ds:uri="http://www.w3.org/2001/XMLSchema"/>
-    <ds:schemaRef ds:uri="http://schemas.microsoft.com/office/2006/metadata/properties"/>
-    <ds:schemaRef ds:uri="dcf5ddc1-fb1d-440f-849a-6450bddbaed7"/>
-    <ds:schemaRef ds:uri="965de625-df5b-42e9-a277-2113da4f1195"/>
-    <ds:schemaRef ds:uri="http://schemas.microsoft.com/office/2006/documentManagement/types"/>
-    <ds:schemaRef ds:uri="http://schemas.microsoft.com/office/infopath/2007/PartnerControls"/>
-    <ds:schemaRef ds:uri="http://schemas.openxmlformats.org/package/2006/metadata/core-properties"/>
-    <ds:schemaRef ds:uri="http://purl.org/dc/elements/1.1/"/>
-    <ds:schemaRef ds:uri="http://purl.org/dc/terms/"/>
-    <ds:schemaRef ds:uri="http://schemas.microsoft.com/internal/obd"/>
+    <ds:schemaRef ds:uri="http://schemas.microsoft.com/sharepoint/v3/contenttype/forms"/>
   </ds:schemaRefs>
 </ds:datastoreItem>
 </file>
